--- a/Lesson 01/Lesson 01 - Hello World.pptx
+++ b/Lesson 01/Lesson 01 - Hello World.pptx
@@ -7334,10 +7334,10 @@
       </p:sp>
       <p:pic>
         <p:nvPicPr>
-          <p:cNvPr id="4" name="Picture 3">
+          <p:cNvPr id="5" name="Picture 4">
             <a:extLst>
               <a:ext uri="{FF2B5EF4-FFF2-40B4-BE49-F238E27FC236}">
-                <a16:creationId xmlns:a16="http://schemas.microsoft.com/office/drawing/2014/main" id="{F4FD6A7A-CE3A-4F1F-8837-BCC6E63CFC05}"/>
+                <a16:creationId xmlns:a16="http://schemas.microsoft.com/office/drawing/2014/main" id="{554E6C24-4CAF-40B4-A95B-661A9684BF00}"/>
               </a:ext>
             </a:extLst>
           </p:cNvPr>
@@ -7354,8 +7354,8 @@
         </p:blipFill>
         <p:spPr>
           <a:xfrm>
-            <a:off x="7641802" y="3429000"/>
-            <a:ext cx="3971925" cy="1295400"/>
+            <a:off x="7709770" y="3653367"/>
+            <a:ext cx="3962400" cy="1295400"/>
           </a:xfrm>
           <a:prstGeom prst="rect">
             <a:avLst/>
@@ -7454,7 +7454,7 @@
                             </p:stCondLst>
                             <p:childTnLst>
                               <p:par>
-                                <p:cTn id="10" presetID="16" presetClass="entr" presetSubtype="21" fill="hold" nodeType="clickEffect">
+                                <p:cTn id="10" presetID="2" presetClass="entr" presetSubtype="4" fill="hold" nodeType="clickEffect">
                                   <p:stCondLst>
                                     <p:cond delay="0"/>
                                   </p:stCondLst>
@@ -7467,7 +7467,7 @@
                                           </p:stCondLst>
                                         </p:cTn>
                                         <p:tgtEl>
-                                          <p:spTgt spid="4"/>
+                                          <p:spTgt spid="5"/>
                                         </p:tgtEl>
                                         <p:attrNameLst>
                                           <p:attrName>style.visibility</p:attrName>
@@ -7477,14 +7477,52 @@
                                         <p:strVal val="visible"/>
                                       </p:to>
                                     </p:set>
-                                    <p:animEffect transition="in" filter="barn(inVertical)">
-                                      <p:cBhvr>
-                                        <p:cTn id="12" dur="500"/>
-                                        <p:tgtEl>
-                                          <p:spTgt spid="4"/>
-                                        </p:tgtEl>
-                                      </p:cBhvr>
-                                    </p:animEffect>
+                                    <p:anim calcmode="lin" valueType="num">
+                                      <p:cBhvr additive="base">
+                                        <p:cTn id="12" dur="500" fill="hold"/>
+                                        <p:tgtEl>
+                                          <p:spTgt spid="5"/>
+                                        </p:tgtEl>
+                                        <p:attrNameLst>
+                                          <p:attrName>ppt_x</p:attrName>
+                                        </p:attrNameLst>
+                                      </p:cBhvr>
+                                      <p:tavLst>
+                                        <p:tav tm="0">
+                                          <p:val>
+                                            <p:strVal val="#ppt_x"/>
+                                          </p:val>
+                                        </p:tav>
+                                        <p:tav tm="100000">
+                                          <p:val>
+                                            <p:strVal val="#ppt_x"/>
+                                          </p:val>
+                                        </p:tav>
+                                      </p:tavLst>
+                                    </p:anim>
+                                    <p:anim calcmode="lin" valueType="num">
+                                      <p:cBhvr additive="base">
+                                        <p:cTn id="13" dur="500" fill="hold"/>
+                                        <p:tgtEl>
+                                          <p:spTgt spid="5"/>
+                                        </p:tgtEl>
+                                        <p:attrNameLst>
+                                          <p:attrName>ppt_y</p:attrName>
+                                        </p:attrNameLst>
+                                      </p:cBhvr>
+                                      <p:tavLst>
+                                        <p:tav tm="0">
+                                          <p:val>
+                                            <p:strVal val="1+#ppt_h/2"/>
+                                          </p:val>
+                                        </p:tav>
+                                        <p:tav tm="100000">
+                                          <p:val>
+                                            <p:strVal val="#ppt_y"/>
+                                          </p:val>
+                                        </p:tav>
+                                      </p:tavLst>
+                                    </p:anim>
                                   </p:childTnLst>
                                 </p:cTn>
                               </p:par>
@@ -7603,10 +7641,10 @@
       </p:sp>
       <p:pic>
         <p:nvPicPr>
-          <p:cNvPr id="4" name="Picture 3">
+          <p:cNvPr id="5" name="Picture 4">
             <a:extLst>
               <a:ext uri="{FF2B5EF4-FFF2-40B4-BE49-F238E27FC236}">
-                <a16:creationId xmlns:a16="http://schemas.microsoft.com/office/drawing/2014/main" id="{DFA1EF85-7E3B-4DE2-99B8-BADD691C566B}"/>
+                <a16:creationId xmlns:a16="http://schemas.microsoft.com/office/drawing/2014/main" id="{694FF303-92E8-4821-AC1B-7DDF276AD9B0}"/>
               </a:ext>
             </a:extLst>
           </p:cNvPr>
@@ -7623,8 +7661,8 @@
         </p:blipFill>
         <p:spPr>
           <a:xfrm>
-            <a:off x="5888503" y="3230032"/>
-            <a:ext cx="3971925" cy="1257300"/>
+            <a:off x="6096000" y="3429000"/>
+            <a:ext cx="4095750" cy="1323975"/>
           </a:xfrm>
           <a:prstGeom prst="rect">
             <a:avLst/>
@@ -7797,7 +7835,7 @@
                                           </p:stCondLst>
                                         </p:cTn>
                                         <p:tgtEl>
-                                          <p:spTgt spid="4"/>
+                                          <p:spTgt spid="5"/>
                                         </p:tgtEl>
                                         <p:attrNameLst>
                                           <p:attrName>style.visibility</p:attrName>
@@ -7811,7 +7849,7 @@
                                       <p:cBhvr>
                                         <p:cTn id="17" dur="1000"/>
                                         <p:tgtEl>
-                                          <p:spTgt spid="4"/>
+                                          <p:spTgt spid="5"/>
                                         </p:tgtEl>
                                       </p:cBhvr>
                                     </p:animEffect>
@@ -7819,7 +7857,7 @@
                                       <p:cBhvr>
                                         <p:cTn id="18" dur="1000" fill="hold"/>
                                         <p:tgtEl>
-                                          <p:spTgt spid="4"/>
+                                          <p:spTgt spid="5"/>
                                         </p:tgtEl>
                                         <p:attrNameLst>
                                           <p:attrName>ppt_x</p:attrName>
@@ -7842,7 +7880,7 @@
                                       <p:cBhvr>
                                         <p:cTn id="19" dur="1000" fill="hold"/>
                                         <p:tgtEl>
-                                          <p:spTgt spid="4"/>
+                                          <p:spTgt spid="5"/>
                                         </p:tgtEl>
                                         <p:attrNameLst>
                                           <p:attrName>ppt_y</p:attrName>
@@ -8082,10 +8120,10 @@
       </p:sp>
       <p:pic>
         <p:nvPicPr>
-          <p:cNvPr id="4" name="Picture 3">
+          <p:cNvPr id="7" name="Picture 6">
             <a:extLst>
               <a:ext uri="{FF2B5EF4-FFF2-40B4-BE49-F238E27FC236}">
-                <a16:creationId xmlns:a16="http://schemas.microsoft.com/office/drawing/2014/main" id="{CC78E4F7-B664-4260-AA1E-99312D8E571E}"/>
+                <a16:creationId xmlns:a16="http://schemas.microsoft.com/office/drawing/2014/main" id="{DCBA0AB3-4E9E-4D86-9308-A946C9E8E3F0}"/>
               </a:ext>
             </a:extLst>
           </p:cNvPr>
@@ -8102,8 +8140,8 @@
         </p:blipFill>
         <p:spPr>
           <a:xfrm>
-            <a:off x="4500737" y="2507720"/>
-            <a:ext cx="3609975" cy="1171575"/>
+            <a:off x="265235" y="2529197"/>
+            <a:ext cx="4095750" cy="1323975"/>
           </a:xfrm>
           <a:prstGeom prst="rect">
             <a:avLst/>
@@ -8112,10 +8150,10 @@
       </p:pic>
       <p:pic>
         <p:nvPicPr>
-          <p:cNvPr id="5" name="Picture 4">
+          <p:cNvPr id="8" name="Picture 7">
             <a:extLst>
               <a:ext uri="{FF2B5EF4-FFF2-40B4-BE49-F238E27FC236}">
-                <a16:creationId xmlns:a16="http://schemas.microsoft.com/office/drawing/2014/main" id="{60961926-CC47-474A-AD96-12DCAACEC84E}"/>
+                <a16:creationId xmlns:a16="http://schemas.microsoft.com/office/drawing/2014/main" id="{17DEE979-2632-433B-B2D1-74C910126284}"/>
               </a:ext>
             </a:extLst>
           </p:cNvPr>
@@ -8132,8 +8170,8 @@
         </p:blipFill>
         <p:spPr>
           <a:xfrm>
-            <a:off x="410492" y="2495860"/>
-            <a:ext cx="3971925" cy="1257300"/>
+            <a:off x="4571920" y="2595871"/>
+            <a:ext cx="3648075" cy="1190625"/>
           </a:xfrm>
           <a:prstGeom prst="rect">
             <a:avLst/>
@@ -8142,10 +8180,10 @@
       </p:pic>
       <p:pic>
         <p:nvPicPr>
-          <p:cNvPr id="6" name="Picture 5">
+          <p:cNvPr id="9" name="Picture 8">
             <a:extLst>
               <a:ext uri="{FF2B5EF4-FFF2-40B4-BE49-F238E27FC236}">
-                <a16:creationId xmlns:a16="http://schemas.microsoft.com/office/drawing/2014/main" id="{D2EED7CC-E01C-48FB-A055-2BCD355B193E}"/>
+                <a16:creationId xmlns:a16="http://schemas.microsoft.com/office/drawing/2014/main" id="{5596D566-9727-40D6-8C9C-06D082D27B58}"/>
               </a:ext>
             </a:extLst>
           </p:cNvPr>
@@ -8162,8 +8200,8 @@
         </p:blipFill>
         <p:spPr>
           <a:xfrm>
-            <a:off x="8295488" y="2415288"/>
-            <a:ext cx="3771900" cy="1343025"/>
+            <a:off x="8430930" y="2295835"/>
+            <a:ext cx="3371850" cy="1657350"/>
           </a:xfrm>
           <a:prstGeom prst="rect">
             <a:avLst/>
@@ -8201,7 +8239,7 @@
                             </p:stCondLst>
                             <p:childTnLst>
                               <p:par>
-                                <p:cTn id="5" presetID="2" presetClass="entr" presetSubtype="4" fill="hold" nodeType="clickEffect">
+                                <p:cTn id="5" presetID="42" presetClass="entr" presetSubtype="0" fill="hold" nodeType="clickEffect">
                                   <p:stCondLst>
                                     <p:cond delay="0"/>
                                   </p:stCondLst>
@@ -8214,7 +8252,7 @@
                                           </p:stCondLst>
                                         </p:cTn>
                                         <p:tgtEl>
-                                          <p:spTgt spid="5"/>
+                                          <p:spTgt spid="7"/>
                                         </p:tgtEl>
                                         <p:attrNameLst>
                                           <p:attrName>style.visibility</p:attrName>
@@ -8224,11 +8262,19 @@
                                         <p:strVal val="visible"/>
                                       </p:to>
                                     </p:set>
+                                    <p:animEffect transition="in" filter="fade">
+                                      <p:cBhvr>
+                                        <p:cTn id="7" dur="1000"/>
+                                        <p:tgtEl>
+                                          <p:spTgt spid="7"/>
+                                        </p:tgtEl>
+                                      </p:cBhvr>
+                                    </p:animEffect>
                                     <p:anim calcmode="lin" valueType="num">
-                                      <p:cBhvr additive="base">
-                                        <p:cTn id="7" dur="500" fill="hold"/>
-                                        <p:tgtEl>
-                                          <p:spTgt spid="5"/>
+                                      <p:cBhvr>
+                                        <p:cTn id="8" dur="1000" fill="hold"/>
+                                        <p:tgtEl>
+                                          <p:spTgt spid="7"/>
                                         </p:tgtEl>
                                         <p:attrNameLst>
                                           <p:attrName>ppt_x</p:attrName>
@@ -8248,10 +8294,10 @@
                                       </p:tavLst>
                                     </p:anim>
                                     <p:anim calcmode="lin" valueType="num">
-                                      <p:cBhvr additive="base">
-                                        <p:cTn id="8" dur="500" fill="hold"/>
-                                        <p:tgtEl>
-                                          <p:spTgt spid="5"/>
+                                      <p:cBhvr>
+                                        <p:cTn id="9" dur="1000" fill="hold"/>
+                                        <p:tgtEl>
+                                          <p:spTgt spid="7"/>
                                         </p:tgtEl>
                                         <p:attrNameLst>
                                           <p:attrName>ppt_y</p:attrName>
@@ -8260,7 +8306,7 @@
                                       <p:tavLst>
                                         <p:tav tm="0">
                                           <p:val>
-                                            <p:strVal val="1+#ppt_h/2"/>
+                                            <p:strVal val="#ppt_y+.1"/>
                                           </p:val>
                                         </p:tav>
                                         <p:tav tm="100000">
@@ -8274,20 +8320,20 @@
                                 </p:cTn>
                               </p:par>
                               <p:par>
-                                <p:cTn id="9" presetID="2" presetClass="entr" presetSubtype="4" fill="hold" nodeType="withEffect">
+                                <p:cTn id="10" presetID="42" presetClass="entr" presetSubtype="0" fill="hold" nodeType="withEffect">
                                   <p:stCondLst>
                                     <p:cond delay="0"/>
                                   </p:stCondLst>
                                   <p:childTnLst>
                                     <p:set>
                                       <p:cBhvr>
-                                        <p:cTn id="10" dur="1" fill="hold">
+                                        <p:cTn id="11" dur="1" fill="hold">
                                           <p:stCondLst>
                                             <p:cond delay="0"/>
                                           </p:stCondLst>
                                         </p:cTn>
                                         <p:tgtEl>
-                                          <p:spTgt spid="4"/>
+                                          <p:spTgt spid="8"/>
                                         </p:tgtEl>
                                         <p:attrNameLst>
                                           <p:attrName>style.visibility</p:attrName>
@@ -8297,11 +8343,19 @@
                                         <p:strVal val="visible"/>
                                       </p:to>
                                     </p:set>
+                                    <p:animEffect transition="in" filter="fade">
+                                      <p:cBhvr>
+                                        <p:cTn id="12" dur="1000"/>
+                                        <p:tgtEl>
+                                          <p:spTgt spid="8"/>
+                                        </p:tgtEl>
+                                      </p:cBhvr>
+                                    </p:animEffect>
                                     <p:anim calcmode="lin" valueType="num">
-                                      <p:cBhvr additive="base">
-                                        <p:cTn id="11" dur="500" fill="hold"/>
-                                        <p:tgtEl>
-                                          <p:spTgt spid="4"/>
+                                      <p:cBhvr>
+                                        <p:cTn id="13" dur="1000" fill="hold"/>
+                                        <p:tgtEl>
+                                          <p:spTgt spid="8"/>
                                         </p:tgtEl>
                                         <p:attrNameLst>
                                           <p:attrName>ppt_x</p:attrName>
@@ -8321,10 +8375,10 @@
                                       </p:tavLst>
                                     </p:anim>
                                     <p:anim calcmode="lin" valueType="num">
-                                      <p:cBhvr additive="base">
-                                        <p:cTn id="12" dur="500" fill="hold"/>
-                                        <p:tgtEl>
-                                          <p:spTgt spid="4"/>
+                                      <p:cBhvr>
+                                        <p:cTn id="14" dur="1000" fill="hold"/>
+                                        <p:tgtEl>
+                                          <p:spTgt spid="8"/>
                                         </p:tgtEl>
                                         <p:attrNameLst>
                                           <p:attrName>ppt_y</p:attrName>
@@ -8333,7 +8387,7 @@
                                       <p:tavLst>
                                         <p:tav tm="0">
                                           <p:val>
-                                            <p:strVal val="1+#ppt_h/2"/>
+                                            <p:strVal val="#ppt_y+.1"/>
                                           </p:val>
                                         </p:tav>
                                         <p:tav tm="100000">
@@ -8347,20 +8401,20 @@
                                 </p:cTn>
                               </p:par>
                               <p:par>
-                                <p:cTn id="13" presetID="2" presetClass="entr" presetSubtype="4" fill="hold" nodeType="withEffect">
+                                <p:cTn id="15" presetID="42" presetClass="entr" presetSubtype="0" fill="hold" nodeType="withEffect">
                                   <p:stCondLst>
                                     <p:cond delay="0"/>
                                   </p:stCondLst>
                                   <p:childTnLst>
                                     <p:set>
                                       <p:cBhvr>
-                                        <p:cTn id="14" dur="1" fill="hold">
+                                        <p:cTn id="16" dur="1" fill="hold">
                                           <p:stCondLst>
                                             <p:cond delay="0"/>
                                           </p:stCondLst>
                                         </p:cTn>
                                         <p:tgtEl>
-                                          <p:spTgt spid="6"/>
+                                          <p:spTgt spid="9"/>
                                         </p:tgtEl>
                                         <p:attrNameLst>
                                           <p:attrName>style.visibility</p:attrName>
@@ -8370,11 +8424,19 @@
                                         <p:strVal val="visible"/>
                                       </p:to>
                                     </p:set>
+                                    <p:animEffect transition="in" filter="fade">
+                                      <p:cBhvr>
+                                        <p:cTn id="17" dur="1000"/>
+                                        <p:tgtEl>
+                                          <p:spTgt spid="9"/>
+                                        </p:tgtEl>
+                                      </p:cBhvr>
+                                    </p:animEffect>
                                     <p:anim calcmode="lin" valueType="num">
-                                      <p:cBhvr additive="base">
-                                        <p:cTn id="15" dur="500" fill="hold"/>
-                                        <p:tgtEl>
-                                          <p:spTgt spid="6"/>
+                                      <p:cBhvr>
+                                        <p:cTn id="18" dur="1000" fill="hold"/>
+                                        <p:tgtEl>
+                                          <p:spTgt spid="9"/>
                                         </p:tgtEl>
                                         <p:attrNameLst>
                                           <p:attrName>ppt_x</p:attrName>
@@ -8394,10 +8456,10 @@
                                       </p:tavLst>
                                     </p:anim>
                                     <p:anim calcmode="lin" valueType="num">
-                                      <p:cBhvr additive="base">
-                                        <p:cTn id="16" dur="500" fill="hold"/>
-                                        <p:tgtEl>
-                                          <p:spTgt spid="6"/>
+                                      <p:cBhvr>
+                                        <p:cTn id="19" dur="1000" fill="hold"/>
+                                        <p:tgtEl>
+                                          <p:spTgt spid="9"/>
                                         </p:tgtEl>
                                         <p:attrNameLst>
                                           <p:attrName>ppt_y</p:attrName>
@@ -8406,7 +8468,7 @@
                                       <p:tavLst>
                                         <p:tav tm="0">
                                           <p:val>
-                                            <p:strVal val="1+#ppt_h/2"/>
+                                            <p:strVal val="#ppt_y+.1"/>
                                           </p:val>
                                         </p:tav>
                                         <p:tav tm="100000">
